--- a/tiny_owl/Tiny_Owl_Report.pptx
+++ b/tiny_owl/Tiny_Owl_Report.pptx
@@ -33,11 +33,15 @@
       <p:regular r:id="rId16"/>
     </p:embeddedFont>
     <p:embeddedFont>
+      <p:font typeface="Montserrat" panose="00000500000000000000" pitchFamily="2" charset="0"/>
+      <p:bold r:id="rId17"/>
+    </p:embeddedFont>
+    <p:embeddedFont>
       <p:font typeface="Open Sans" panose="020B0606030504020204" pitchFamily="34" charset="0"/>
-      <p:regular r:id="rId17"/>
-      <p:bold r:id="rId18"/>
-      <p:italic r:id="rId19"/>
-      <p:boldItalic r:id="rId20"/>
+      <p:regular r:id="rId18"/>
+      <p:bold r:id="rId19"/>
+      <p:italic r:id="rId20"/>
+      <p:boldItalic r:id="rId21"/>
     </p:embeddedFont>
   </p:embeddedFontLst>
   <p:defaultTextStyle>
